--- a/ppt 16-9/0151.主的灵在膏抹.pptx
+++ b/ppt 16-9/0151.主的灵在膏抹.pptx
@@ -5,7 +5,7 @@
     <p:sldMasterId id="2147483648" r:id="rId1"/>
   </p:sldMasterIdLst>
   <p:sldIdLst>
-    <p:sldId id="2734" r:id="rId2"/>
+    <p:sldId id="2740" r:id="rId2"/>
   </p:sldIdLst>
   <p:sldSz cx="12192000" cy="6858000"/>
   <p:notesSz cx="6858000" cy="9144000"/>
@@ -129,7 +129,7 @@
           <p:cNvPr id="2" name="标题 1">
             <a:extLst>
               <a:ext uri="{FF2B5EF4-FFF2-40B4-BE49-F238E27FC236}">
-                <a16:creationId xmlns:a16="http://schemas.microsoft.com/office/drawing/2014/main" id="{2AB6049A-F37F-72D2-784A-D7CC182BF450}"/>
+                <a16:creationId xmlns:a16="http://schemas.microsoft.com/office/drawing/2014/main" id="{E8F4739A-DAD7-CD4A-DC85-15CBE0DD20A6}"/>
               </a:ext>
             </a:extLst>
           </p:cNvPr>
@@ -166,7 +166,7 @@
           <p:cNvPr id="3" name="副标题 2">
             <a:extLst>
               <a:ext uri="{FF2B5EF4-FFF2-40B4-BE49-F238E27FC236}">
-                <a16:creationId xmlns:a16="http://schemas.microsoft.com/office/drawing/2014/main" id="{E6312C5B-1EA9-06E2-1F5F-489AF5AE9ED1}"/>
+                <a16:creationId xmlns:a16="http://schemas.microsoft.com/office/drawing/2014/main" id="{7F47200B-24FF-E93C-35E8-06D5CA81BEE0}"/>
               </a:ext>
             </a:extLst>
           </p:cNvPr>
@@ -236,7 +236,7 @@
           <p:cNvPr id="4" name="日期占位符 3">
             <a:extLst>
               <a:ext uri="{FF2B5EF4-FFF2-40B4-BE49-F238E27FC236}">
-                <a16:creationId xmlns:a16="http://schemas.microsoft.com/office/drawing/2014/main" id="{EADB5876-7F24-F658-B3E0-F25474664981}"/>
+                <a16:creationId xmlns:a16="http://schemas.microsoft.com/office/drawing/2014/main" id="{EA36E57A-D304-3D0C-66C6-95267B28A9BF}"/>
               </a:ext>
             </a:extLst>
           </p:cNvPr>
@@ -252,7 +252,7 @@
           <a:bodyPr/>
           <a:lstStyle/>
           <a:p>
-            <a:fld id="{EFFA998B-9C5A-407D-8BE3-93BBE29066FF}" type="datetimeFigureOut">
+            <a:fld id="{A0A00205-55DD-4430-929C-A22D86EB0689}" type="datetimeFigureOut">
               <a:rPr lang="zh-CN" altLang="en-US" smtClean="0"/>
               <a:t>2024/3/10</a:t>
             </a:fld>
@@ -265,7 +265,7 @@
           <p:cNvPr id="5" name="页脚占位符 4">
             <a:extLst>
               <a:ext uri="{FF2B5EF4-FFF2-40B4-BE49-F238E27FC236}">
-                <a16:creationId xmlns:a16="http://schemas.microsoft.com/office/drawing/2014/main" id="{F778140A-8216-981A-A87F-5AEB235AE7E5}"/>
+                <a16:creationId xmlns:a16="http://schemas.microsoft.com/office/drawing/2014/main" id="{D3AB67E5-5CA0-1A08-1163-5149A645699A}"/>
               </a:ext>
             </a:extLst>
           </p:cNvPr>
@@ -290,7 +290,7 @@
           <p:cNvPr id="6" name="灯片编号占位符 5">
             <a:extLst>
               <a:ext uri="{FF2B5EF4-FFF2-40B4-BE49-F238E27FC236}">
-                <a16:creationId xmlns:a16="http://schemas.microsoft.com/office/drawing/2014/main" id="{7FC6DD45-50CD-A1CD-2611-E8DC0D186D17}"/>
+                <a16:creationId xmlns:a16="http://schemas.microsoft.com/office/drawing/2014/main" id="{0FBE8237-61C8-B60C-A7B7-29E56F3251DD}"/>
               </a:ext>
             </a:extLst>
           </p:cNvPr>
@@ -306,7 +306,7 @@
           <a:bodyPr/>
           <a:lstStyle/>
           <a:p>
-            <a:fld id="{54BB8FAE-30A8-4A53-93F5-CDDC6926C7E8}" type="slidenum">
+            <a:fld id="{B9EE1D44-0837-416D-AF66-51B1D5CD27CF}" type="slidenum">
               <a:rPr lang="zh-CN" altLang="en-US" smtClean="0"/>
               <a:t>‹#›</a:t>
             </a:fld>
@@ -317,7 +317,7 @@
     </p:spTree>
     <p:extLst>
       <p:ext uri="{BB962C8B-B14F-4D97-AF65-F5344CB8AC3E}">
-        <p14:creationId xmlns:p14="http://schemas.microsoft.com/office/powerpoint/2010/main" val="2525382420"/>
+        <p14:creationId xmlns:p14="http://schemas.microsoft.com/office/powerpoint/2010/main" val="275056929"/>
       </p:ext>
     </p:extLst>
   </p:cSld>
@@ -349,7 +349,7 @@
           <p:cNvPr id="2" name="标题 1">
             <a:extLst>
               <a:ext uri="{FF2B5EF4-FFF2-40B4-BE49-F238E27FC236}">
-                <a16:creationId xmlns:a16="http://schemas.microsoft.com/office/drawing/2014/main" id="{8E815213-8AE6-E4D1-B983-6EFD9322D96D}"/>
+                <a16:creationId xmlns:a16="http://schemas.microsoft.com/office/drawing/2014/main" id="{74DF0A2F-3C51-6F7F-C87F-D6AF8F2B1391}"/>
               </a:ext>
             </a:extLst>
           </p:cNvPr>
@@ -377,7 +377,7 @@
           <p:cNvPr id="3" name="竖排文字占位符 2">
             <a:extLst>
               <a:ext uri="{FF2B5EF4-FFF2-40B4-BE49-F238E27FC236}">
-                <a16:creationId xmlns:a16="http://schemas.microsoft.com/office/drawing/2014/main" id="{E60C4941-C0C2-51D2-2449-90D9FDDD2BEA}"/>
+                <a16:creationId xmlns:a16="http://schemas.microsoft.com/office/drawing/2014/main" id="{B1A1C206-1901-7499-DE97-4072B5FA3AC2}"/>
               </a:ext>
             </a:extLst>
           </p:cNvPr>
@@ -434,7 +434,7 @@
           <p:cNvPr id="4" name="日期占位符 3">
             <a:extLst>
               <a:ext uri="{FF2B5EF4-FFF2-40B4-BE49-F238E27FC236}">
-                <a16:creationId xmlns:a16="http://schemas.microsoft.com/office/drawing/2014/main" id="{733D26C8-B156-CB3B-6CEA-A1AE24E0FB68}"/>
+                <a16:creationId xmlns:a16="http://schemas.microsoft.com/office/drawing/2014/main" id="{CC96FE1A-E079-E624-896A-4E250DE380DF}"/>
               </a:ext>
             </a:extLst>
           </p:cNvPr>
@@ -450,7 +450,7 @@
           <a:bodyPr/>
           <a:lstStyle/>
           <a:p>
-            <a:fld id="{EFFA998B-9C5A-407D-8BE3-93BBE29066FF}" type="datetimeFigureOut">
+            <a:fld id="{A0A00205-55DD-4430-929C-A22D86EB0689}" type="datetimeFigureOut">
               <a:rPr lang="zh-CN" altLang="en-US" smtClean="0"/>
               <a:t>2024/3/10</a:t>
             </a:fld>
@@ -463,7 +463,7 @@
           <p:cNvPr id="5" name="页脚占位符 4">
             <a:extLst>
               <a:ext uri="{FF2B5EF4-FFF2-40B4-BE49-F238E27FC236}">
-                <a16:creationId xmlns:a16="http://schemas.microsoft.com/office/drawing/2014/main" id="{02A06403-6E12-3351-2C9E-67C04A3A694D}"/>
+                <a16:creationId xmlns:a16="http://schemas.microsoft.com/office/drawing/2014/main" id="{36AD6A09-B81E-072F-53A5-1B1B3DDDF360}"/>
               </a:ext>
             </a:extLst>
           </p:cNvPr>
@@ -488,7 +488,7 @@
           <p:cNvPr id="6" name="灯片编号占位符 5">
             <a:extLst>
               <a:ext uri="{FF2B5EF4-FFF2-40B4-BE49-F238E27FC236}">
-                <a16:creationId xmlns:a16="http://schemas.microsoft.com/office/drawing/2014/main" id="{8D981D20-0C1B-C0A2-3EF4-AFEDE9683D00}"/>
+                <a16:creationId xmlns:a16="http://schemas.microsoft.com/office/drawing/2014/main" id="{E628C201-42DB-13AA-1CF4-E784DFC4905D}"/>
               </a:ext>
             </a:extLst>
           </p:cNvPr>
@@ -504,7 +504,7 @@
           <a:bodyPr/>
           <a:lstStyle/>
           <a:p>
-            <a:fld id="{54BB8FAE-30A8-4A53-93F5-CDDC6926C7E8}" type="slidenum">
+            <a:fld id="{B9EE1D44-0837-416D-AF66-51B1D5CD27CF}" type="slidenum">
               <a:rPr lang="zh-CN" altLang="en-US" smtClean="0"/>
               <a:t>‹#›</a:t>
             </a:fld>
@@ -515,7 +515,7 @@
     </p:spTree>
     <p:extLst>
       <p:ext uri="{BB962C8B-B14F-4D97-AF65-F5344CB8AC3E}">
-        <p14:creationId xmlns:p14="http://schemas.microsoft.com/office/powerpoint/2010/main" val="4175058258"/>
+        <p14:creationId xmlns:p14="http://schemas.microsoft.com/office/powerpoint/2010/main" val="3679600897"/>
       </p:ext>
     </p:extLst>
   </p:cSld>
@@ -547,7 +547,7 @@
           <p:cNvPr id="2" name="竖排标题 1">
             <a:extLst>
               <a:ext uri="{FF2B5EF4-FFF2-40B4-BE49-F238E27FC236}">
-                <a16:creationId xmlns:a16="http://schemas.microsoft.com/office/drawing/2014/main" id="{FFD2A221-8FC9-90D7-57AD-63082CB595DA}"/>
+                <a16:creationId xmlns:a16="http://schemas.microsoft.com/office/drawing/2014/main" id="{9BD80B00-5160-E617-C652-52A975652A52}"/>
               </a:ext>
             </a:extLst>
           </p:cNvPr>
@@ -580,7 +580,7 @@
           <p:cNvPr id="3" name="竖排文字占位符 2">
             <a:extLst>
               <a:ext uri="{FF2B5EF4-FFF2-40B4-BE49-F238E27FC236}">
-                <a16:creationId xmlns:a16="http://schemas.microsoft.com/office/drawing/2014/main" id="{2F9B8973-2C4B-E3B6-CFC4-3189843133F3}"/>
+                <a16:creationId xmlns:a16="http://schemas.microsoft.com/office/drawing/2014/main" id="{AA061E39-97C4-38C0-3BCC-6C119AEA832A}"/>
               </a:ext>
             </a:extLst>
           </p:cNvPr>
@@ -642,7 +642,7 @@
           <p:cNvPr id="4" name="日期占位符 3">
             <a:extLst>
               <a:ext uri="{FF2B5EF4-FFF2-40B4-BE49-F238E27FC236}">
-                <a16:creationId xmlns:a16="http://schemas.microsoft.com/office/drawing/2014/main" id="{4EA9105C-57F2-6684-969A-F3CCD9B87334}"/>
+                <a16:creationId xmlns:a16="http://schemas.microsoft.com/office/drawing/2014/main" id="{3C88C171-048D-B8B0-7CC6-D76C78917D15}"/>
               </a:ext>
             </a:extLst>
           </p:cNvPr>
@@ -658,7 +658,7 @@
           <a:bodyPr/>
           <a:lstStyle/>
           <a:p>
-            <a:fld id="{EFFA998B-9C5A-407D-8BE3-93BBE29066FF}" type="datetimeFigureOut">
+            <a:fld id="{A0A00205-55DD-4430-929C-A22D86EB0689}" type="datetimeFigureOut">
               <a:rPr lang="zh-CN" altLang="en-US" smtClean="0"/>
               <a:t>2024/3/10</a:t>
             </a:fld>
@@ -671,7 +671,7 @@
           <p:cNvPr id="5" name="页脚占位符 4">
             <a:extLst>
               <a:ext uri="{FF2B5EF4-FFF2-40B4-BE49-F238E27FC236}">
-                <a16:creationId xmlns:a16="http://schemas.microsoft.com/office/drawing/2014/main" id="{850B9827-BBEB-C6D0-587C-9CBC21EA4D7C}"/>
+                <a16:creationId xmlns:a16="http://schemas.microsoft.com/office/drawing/2014/main" id="{F1EE3436-725D-B868-B4F5-F32C15F9DF88}"/>
               </a:ext>
             </a:extLst>
           </p:cNvPr>
@@ -696,7 +696,7 @@
           <p:cNvPr id="6" name="灯片编号占位符 5">
             <a:extLst>
               <a:ext uri="{FF2B5EF4-FFF2-40B4-BE49-F238E27FC236}">
-                <a16:creationId xmlns:a16="http://schemas.microsoft.com/office/drawing/2014/main" id="{B37AF05E-BE8D-F141-4108-F1457FC13C8F}"/>
+                <a16:creationId xmlns:a16="http://schemas.microsoft.com/office/drawing/2014/main" id="{CD2265B9-C120-22A5-1F13-A2F112836747}"/>
               </a:ext>
             </a:extLst>
           </p:cNvPr>
@@ -712,7 +712,7 @@
           <a:bodyPr/>
           <a:lstStyle/>
           <a:p>
-            <a:fld id="{54BB8FAE-30A8-4A53-93F5-CDDC6926C7E8}" type="slidenum">
+            <a:fld id="{B9EE1D44-0837-416D-AF66-51B1D5CD27CF}" type="slidenum">
               <a:rPr lang="zh-CN" altLang="en-US" smtClean="0"/>
               <a:t>‹#›</a:t>
             </a:fld>
@@ -723,7 +723,7 @@
     </p:spTree>
     <p:extLst>
       <p:ext uri="{BB962C8B-B14F-4D97-AF65-F5344CB8AC3E}">
-        <p14:creationId xmlns:p14="http://schemas.microsoft.com/office/powerpoint/2010/main" val="31063928"/>
+        <p14:creationId xmlns:p14="http://schemas.microsoft.com/office/powerpoint/2010/main" val="1958020785"/>
       </p:ext>
     </p:extLst>
   </p:cSld>
@@ -755,7 +755,7 @@
           <p:cNvPr id="2" name="标题 1">
             <a:extLst>
               <a:ext uri="{FF2B5EF4-FFF2-40B4-BE49-F238E27FC236}">
-                <a16:creationId xmlns:a16="http://schemas.microsoft.com/office/drawing/2014/main" id="{37A4E856-364A-DAC7-9E89-C0EB66FB9B93}"/>
+                <a16:creationId xmlns:a16="http://schemas.microsoft.com/office/drawing/2014/main" id="{C1669B0C-1143-91F8-3D7F-44FE70572D7F}"/>
               </a:ext>
             </a:extLst>
           </p:cNvPr>
@@ -783,7 +783,7 @@
           <p:cNvPr id="3" name="内容占位符 2">
             <a:extLst>
               <a:ext uri="{FF2B5EF4-FFF2-40B4-BE49-F238E27FC236}">
-                <a16:creationId xmlns:a16="http://schemas.microsoft.com/office/drawing/2014/main" id="{CB8EE0EE-9B94-1091-695E-C159913523C8}"/>
+                <a16:creationId xmlns:a16="http://schemas.microsoft.com/office/drawing/2014/main" id="{55A9FED3-5803-7711-BC2F-4BCC4A59B874}"/>
               </a:ext>
             </a:extLst>
           </p:cNvPr>
@@ -840,7 +840,7 @@
           <p:cNvPr id="4" name="日期占位符 3">
             <a:extLst>
               <a:ext uri="{FF2B5EF4-FFF2-40B4-BE49-F238E27FC236}">
-                <a16:creationId xmlns:a16="http://schemas.microsoft.com/office/drawing/2014/main" id="{1186320D-2036-B823-43A0-87E44FF0C338}"/>
+                <a16:creationId xmlns:a16="http://schemas.microsoft.com/office/drawing/2014/main" id="{C42B1C3A-1F92-130B-F43C-18CE1F87C0E7}"/>
               </a:ext>
             </a:extLst>
           </p:cNvPr>
@@ -856,7 +856,7 @@
           <a:bodyPr/>
           <a:lstStyle/>
           <a:p>
-            <a:fld id="{EFFA998B-9C5A-407D-8BE3-93BBE29066FF}" type="datetimeFigureOut">
+            <a:fld id="{A0A00205-55DD-4430-929C-A22D86EB0689}" type="datetimeFigureOut">
               <a:rPr lang="zh-CN" altLang="en-US" smtClean="0"/>
               <a:t>2024/3/10</a:t>
             </a:fld>
@@ -869,7 +869,7 @@
           <p:cNvPr id="5" name="页脚占位符 4">
             <a:extLst>
               <a:ext uri="{FF2B5EF4-FFF2-40B4-BE49-F238E27FC236}">
-                <a16:creationId xmlns:a16="http://schemas.microsoft.com/office/drawing/2014/main" id="{4F311EEE-A850-1BFA-34EE-B5084545C503}"/>
+                <a16:creationId xmlns:a16="http://schemas.microsoft.com/office/drawing/2014/main" id="{C3622F71-0C6D-1827-E01F-1E0C7F09F933}"/>
               </a:ext>
             </a:extLst>
           </p:cNvPr>
@@ -894,7 +894,7 @@
           <p:cNvPr id="6" name="灯片编号占位符 5">
             <a:extLst>
               <a:ext uri="{FF2B5EF4-FFF2-40B4-BE49-F238E27FC236}">
-                <a16:creationId xmlns:a16="http://schemas.microsoft.com/office/drawing/2014/main" id="{AD5A3074-FD5F-B449-C778-D345F6A08FB7}"/>
+                <a16:creationId xmlns:a16="http://schemas.microsoft.com/office/drawing/2014/main" id="{B311C946-7928-3E4F-8CC7-6CB20B52E799}"/>
               </a:ext>
             </a:extLst>
           </p:cNvPr>
@@ -910,7 +910,7 @@
           <a:bodyPr/>
           <a:lstStyle/>
           <a:p>
-            <a:fld id="{54BB8FAE-30A8-4A53-93F5-CDDC6926C7E8}" type="slidenum">
+            <a:fld id="{B9EE1D44-0837-416D-AF66-51B1D5CD27CF}" type="slidenum">
               <a:rPr lang="zh-CN" altLang="en-US" smtClean="0"/>
               <a:t>‹#›</a:t>
             </a:fld>
@@ -921,7 +921,7 @@
     </p:spTree>
     <p:extLst>
       <p:ext uri="{BB962C8B-B14F-4D97-AF65-F5344CB8AC3E}">
-        <p14:creationId xmlns:p14="http://schemas.microsoft.com/office/powerpoint/2010/main" val="3968134918"/>
+        <p14:creationId xmlns:p14="http://schemas.microsoft.com/office/powerpoint/2010/main" val="341221908"/>
       </p:ext>
     </p:extLst>
   </p:cSld>
@@ -953,7 +953,7 @@
           <p:cNvPr id="2" name="标题 1">
             <a:extLst>
               <a:ext uri="{FF2B5EF4-FFF2-40B4-BE49-F238E27FC236}">
-                <a16:creationId xmlns:a16="http://schemas.microsoft.com/office/drawing/2014/main" id="{4941248C-442F-5474-66F2-B973FD6E5D0A}"/>
+                <a16:creationId xmlns:a16="http://schemas.microsoft.com/office/drawing/2014/main" id="{CF9A5330-89C9-D591-9F64-C6E9F0521EBF}"/>
               </a:ext>
             </a:extLst>
           </p:cNvPr>
@@ -990,7 +990,7 @@
           <p:cNvPr id="3" name="文本占位符 2">
             <a:extLst>
               <a:ext uri="{FF2B5EF4-FFF2-40B4-BE49-F238E27FC236}">
-                <a16:creationId xmlns:a16="http://schemas.microsoft.com/office/drawing/2014/main" id="{E65399CA-7A6D-EF59-8BA8-C237FD9904E5}"/>
+                <a16:creationId xmlns:a16="http://schemas.microsoft.com/office/drawing/2014/main" id="{659E163B-0E9A-D30A-0F44-B8F9B974EB26}"/>
               </a:ext>
             </a:extLst>
           </p:cNvPr>
@@ -1115,7 +1115,7 @@
           <p:cNvPr id="4" name="日期占位符 3">
             <a:extLst>
               <a:ext uri="{FF2B5EF4-FFF2-40B4-BE49-F238E27FC236}">
-                <a16:creationId xmlns:a16="http://schemas.microsoft.com/office/drawing/2014/main" id="{63E974E9-01CB-F715-6C18-64B9F5E7F8D5}"/>
+                <a16:creationId xmlns:a16="http://schemas.microsoft.com/office/drawing/2014/main" id="{159F2A49-353C-30DD-A973-39FD5A202D4C}"/>
               </a:ext>
             </a:extLst>
           </p:cNvPr>
@@ -1131,7 +1131,7 @@
           <a:bodyPr/>
           <a:lstStyle/>
           <a:p>
-            <a:fld id="{EFFA998B-9C5A-407D-8BE3-93BBE29066FF}" type="datetimeFigureOut">
+            <a:fld id="{A0A00205-55DD-4430-929C-A22D86EB0689}" type="datetimeFigureOut">
               <a:rPr lang="zh-CN" altLang="en-US" smtClean="0"/>
               <a:t>2024/3/10</a:t>
             </a:fld>
@@ -1144,7 +1144,7 @@
           <p:cNvPr id="5" name="页脚占位符 4">
             <a:extLst>
               <a:ext uri="{FF2B5EF4-FFF2-40B4-BE49-F238E27FC236}">
-                <a16:creationId xmlns:a16="http://schemas.microsoft.com/office/drawing/2014/main" id="{0F65CB23-2271-FC22-EB20-03B43A681629}"/>
+                <a16:creationId xmlns:a16="http://schemas.microsoft.com/office/drawing/2014/main" id="{0A751F5C-B996-C818-C4A8-3CA7EB1E5DAF}"/>
               </a:ext>
             </a:extLst>
           </p:cNvPr>
@@ -1169,7 +1169,7 @@
           <p:cNvPr id="6" name="灯片编号占位符 5">
             <a:extLst>
               <a:ext uri="{FF2B5EF4-FFF2-40B4-BE49-F238E27FC236}">
-                <a16:creationId xmlns:a16="http://schemas.microsoft.com/office/drawing/2014/main" id="{777AD052-26B7-2303-426B-4149B7B2F1E6}"/>
+                <a16:creationId xmlns:a16="http://schemas.microsoft.com/office/drawing/2014/main" id="{1E36C0F8-D32A-71E3-3659-897B97C1ECCE}"/>
               </a:ext>
             </a:extLst>
           </p:cNvPr>
@@ -1185,7 +1185,7 @@
           <a:bodyPr/>
           <a:lstStyle/>
           <a:p>
-            <a:fld id="{54BB8FAE-30A8-4A53-93F5-CDDC6926C7E8}" type="slidenum">
+            <a:fld id="{B9EE1D44-0837-416D-AF66-51B1D5CD27CF}" type="slidenum">
               <a:rPr lang="zh-CN" altLang="en-US" smtClean="0"/>
               <a:t>‹#›</a:t>
             </a:fld>
@@ -1196,7 +1196,7 @@
     </p:spTree>
     <p:extLst>
       <p:ext uri="{BB962C8B-B14F-4D97-AF65-F5344CB8AC3E}">
-        <p14:creationId xmlns:p14="http://schemas.microsoft.com/office/powerpoint/2010/main" val="1734543321"/>
+        <p14:creationId xmlns:p14="http://schemas.microsoft.com/office/powerpoint/2010/main" val="242880870"/>
       </p:ext>
     </p:extLst>
   </p:cSld>
@@ -1228,7 +1228,7 @@
           <p:cNvPr id="2" name="标题 1">
             <a:extLst>
               <a:ext uri="{FF2B5EF4-FFF2-40B4-BE49-F238E27FC236}">
-                <a16:creationId xmlns:a16="http://schemas.microsoft.com/office/drawing/2014/main" id="{86DB7D2A-7A66-AE70-03C4-9673295C8CB1}"/>
+                <a16:creationId xmlns:a16="http://schemas.microsoft.com/office/drawing/2014/main" id="{BE9A137F-8E2F-47DA-791F-6CF55C7817F0}"/>
               </a:ext>
             </a:extLst>
           </p:cNvPr>
@@ -1256,7 +1256,7 @@
           <p:cNvPr id="3" name="内容占位符 2">
             <a:extLst>
               <a:ext uri="{FF2B5EF4-FFF2-40B4-BE49-F238E27FC236}">
-                <a16:creationId xmlns:a16="http://schemas.microsoft.com/office/drawing/2014/main" id="{F59B4EB3-8DF7-213E-E0EF-DFDBC62E9D4E}"/>
+                <a16:creationId xmlns:a16="http://schemas.microsoft.com/office/drawing/2014/main" id="{91CFEC83-C211-CF46-A486-93AD20174BDD}"/>
               </a:ext>
             </a:extLst>
           </p:cNvPr>
@@ -1318,7 +1318,7 @@
           <p:cNvPr id="4" name="内容占位符 3">
             <a:extLst>
               <a:ext uri="{FF2B5EF4-FFF2-40B4-BE49-F238E27FC236}">
-                <a16:creationId xmlns:a16="http://schemas.microsoft.com/office/drawing/2014/main" id="{D812E96B-9B6F-F6D4-AB02-B20BAF50AA2E}"/>
+                <a16:creationId xmlns:a16="http://schemas.microsoft.com/office/drawing/2014/main" id="{0AB1DD7D-871B-E2EF-D90D-D8AE6D738E36}"/>
               </a:ext>
             </a:extLst>
           </p:cNvPr>
@@ -1380,7 +1380,7 @@
           <p:cNvPr id="5" name="日期占位符 4">
             <a:extLst>
               <a:ext uri="{FF2B5EF4-FFF2-40B4-BE49-F238E27FC236}">
-                <a16:creationId xmlns:a16="http://schemas.microsoft.com/office/drawing/2014/main" id="{0FA20AFB-3BD1-F397-8B80-D1AC33D76D7C}"/>
+                <a16:creationId xmlns:a16="http://schemas.microsoft.com/office/drawing/2014/main" id="{438DD798-927E-FE4E-D7AC-594478953B33}"/>
               </a:ext>
             </a:extLst>
           </p:cNvPr>
@@ -1396,7 +1396,7 @@
           <a:bodyPr/>
           <a:lstStyle/>
           <a:p>
-            <a:fld id="{EFFA998B-9C5A-407D-8BE3-93BBE29066FF}" type="datetimeFigureOut">
+            <a:fld id="{A0A00205-55DD-4430-929C-A22D86EB0689}" type="datetimeFigureOut">
               <a:rPr lang="zh-CN" altLang="en-US" smtClean="0"/>
               <a:t>2024/3/10</a:t>
             </a:fld>
@@ -1409,7 +1409,7 @@
           <p:cNvPr id="6" name="页脚占位符 5">
             <a:extLst>
               <a:ext uri="{FF2B5EF4-FFF2-40B4-BE49-F238E27FC236}">
-                <a16:creationId xmlns:a16="http://schemas.microsoft.com/office/drawing/2014/main" id="{D7B806F3-BDA0-7410-2FBA-F095B791D076}"/>
+                <a16:creationId xmlns:a16="http://schemas.microsoft.com/office/drawing/2014/main" id="{B53C62F1-C515-434E-37CF-AE4840A55980}"/>
               </a:ext>
             </a:extLst>
           </p:cNvPr>
@@ -1434,7 +1434,7 @@
           <p:cNvPr id="7" name="灯片编号占位符 6">
             <a:extLst>
               <a:ext uri="{FF2B5EF4-FFF2-40B4-BE49-F238E27FC236}">
-                <a16:creationId xmlns:a16="http://schemas.microsoft.com/office/drawing/2014/main" id="{54104BBE-BD0F-F66E-A000-F6BCBF22020F}"/>
+                <a16:creationId xmlns:a16="http://schemas.microsoft.com/office/drawing/2014/main" id="{D5D13D9C-73FB-A0E2-A80E-93C0D9246A2E}"/>
               </a:ext>
             </a:extLst>
           </p:cNvPr>
@@ -1450,7 +1450,7 @@
           <a:bodyPr/>
           <a:lstStyle/>
           <a:p>
-            <a:fld id="{54BB8FAE-30A8-4A53-93F5-CDDC6926C7E8}" type="slidenum">
+            <a:fld id="{B9EE1D44-0837-416D-AF66-51B1D5CD27CF}" type="slidenum">
               <a:rPr lang="zh-CN" altLang="en-US" smtClean="0"/>
               <a:t>‹#›</a:t>
             </a:fld>
@@ -1461,7 +1461,7 @@
     </p:spTree>
     <p:extLst>
       <p:ext uri="{BB962C8B-B14F-4D97-AF65-F5344CB8AC3E}">
-        <p14:creationId xmlns:p14="http://schemas.microsoft.com/office/powerpoint/2010/main" val="4206144396"/>
+        <p14:creationId xmlns:p14="http://schemas.microsoft.com/office/powerpoint/2010/main" val="3048018965"/>
       </p:ext>
     </p:extLst>
   </p:cSld>
@@ -1493,7 +1493,7 @@
           <p:cNvPr id="2" name="标题 1">
             <a:extLst>
               <a:ext uri="{FF2B5EF4-FFF2-40B4-BE49-F238E27FC236}">
-                <a16:creationId xmlns:a16="http://schemas.microsoft.com/office/drawing/2014/main" id="{215C9407-01E2-E7B4-6CD7-84FCD4CB3520}"/>
+                <a16:creationId xmlns:a16="http://schemas.microsoft.com/office/drawing/2014/main" id="{5CB4D1CC-4F33-2485-A530-BBF2106F469F}"/>
               </a:ext>
             </a:extLst>
           </p:cNvPr>
@@ -1526,7 +1526,7 @@
           <p:cNvPr id="3" name="文本占位符 2">
             <a:extLst>
               <a:ext uri="{FF2B5EF4-FFF2-40B4-BE49-F238E27FC236}">
-                <a16:creationId xmlns:a16="http://schemas.microsoft.com/office/drawing/2014/main" id="{AAB86AE7-BC8B-2230-C09B-F0D78E7CCB86}"/>
+                <a16:creationId xmlns:a16="http://schemas.microsoft.com/office/drawing/2014/main" id="{49B5DB25-689D-E98B-4E4A-88E18A51D495}"/>
               </a:ext>
             </a:extLst>
           </p:cNvPr>
@@ -1597,7 +1597,7 @@
           <p:cNvPr id="4" name="内容占位符 3">
             <a:extLst>
               <a:ext uri="{FF2B5EF4-FFF2-40B4-BE49-F238E27FC236}">
-                <a16:creationId xmlns:a16="http://schemas.microsoft.com/office/drawing/2014/main" id="{815E637A-2806-F65D-BC78-71B40F4AB064}"/>
+                <a16:creationId xmlns:a16="http://schemas.microsoft.com/office/drawing/2014/main" id="{84541D72-DC95-1F41-CA41-B730EA226AB9}"/>
               </a:ext>
             </a:extLst>
           </p:cNvPr>
@@ -1659,7 +1659,7 @@
           <p:cNvPr id="5" name="文本占位符 4">
             <a:extLst>
               <a:ext uri="{FF2B5EF4-FFF2-40B4-BE49-F238E27FC236}">
-                <a16:creationId xmlns:a16="http://schemas.microsoft.com/office/drawing/2014/main" id="{A7916488-0DA8-7BFD-2528-CCEBEAF77650}"/>
+                <a16:creationId xmlns:a16="http://schemas.microsoft.com/office/drawing/2014/main" id="{3A84D4A6-769E-7B0E-EC7E-CC29305254E7}"/>
               </a:ext>
             </a:extLst>
           </p:cNvPr>
@@ -1730,7 +1730,7 @@
           <p:cNvPr id="6" name="内容占位符 5">
             <a:extLst>
               <a:ext uri="{FF2B5EF4-FFF2-40B4-BE49-F238E27FC236}">
-                <a16:creationId xmlns:a16="http://schemas.microsoft.com/office/drawing/2014/main" id="{4F5A5200-73AE-67F7-22B3-AA9B311BA72E}"/>
+                <a16:creationId xmlns:a16="http://schemas.microsoft.com/office/drawing/2014/main" id="{2CE9DBBC-A9AC-5530-9A33-6E10B6F6A1D4}"/>
               </a:ext>
             </a:extLst>
           </p:cNvPr>
@@ -1792,7 +1792,7 @@
           <p:cNvPr id="7" name="日期占位符 6">
             <a:extLst>
               <a:ext uri="{FF2B5EF4-FFF2-40B4-BE49-F238E27FC236}">
-                <a16:creationId xmlns:a16="http://schemas.microsoft.com/office/drawing/2014/main" id="{FAA02A49-DEC0-ECB1-FBC3-26E72A9C041E}"/>
+                <a16:creationId xmlns:a16="http://schemas.microsoft.com/office/drawing/2014/main" id="{59D8087B-7571-BF2D-8E53-DD6B1D80EE9D}"/>
               </a:ext>
             </a:extLst>
           </p:cNvPr>
@@ -1808,7 +1808,7 @@
           <a:bodyPr/>
           <a:lstStyle/>
           <a:p>
-            <a:fld id="{EFFA998B-9C5A-407D-8BE3-93BBE29066FF}" type="datetimeFigureOut">
+            <a:fld id="{A0A00205-55DD-4430-929C-A22D86EB0689}" type="datetimeFigureOut">
               <a:rPr lang="zh-CN" altLang="en-US" smtClean="0"/>
               <a:t>2024/3/10</a:t>
             </a:fld>
@@ -1821,7 +1821,7 @@
           <p:cNvPr id="8" name="页脚占位符 7">
             <a:extLst>
               <a:ext uri="{FF2B5EF4-FFF2-40B4-BE49-F238E27FC236}">
-                <a16:creationId xmlns:a16="http://schemas.microsoft.com/office/drawing/2014/main" id="{32B996AC-E77E-708F-8EBE-87F571CFA7E0}"/>
+                <a16:creationId xmlns:a16="http://schemas.microsoft.com/office/drawing/2014/main" id="{BF90D930-9A34-C9F0-092D-17568EE63EE2}"/>
               </a:ext>
             </a:extLst>
           </p:cNvPr>
@@ -1846,7 +1846,7 @@
           <p:cNvPr id="9" name="灯片编号占位符 8">
             <a:extLst>
               <a:ext uri="{FF2B5EF4-FFF2-40B4-BE49-F238E27FC236}">
-                <a16:creationId xmlns:a16="http://schemas.microsoft.com/office/drawing/2014/main" id="{06DEB756-F309-EA9D-9494-AA6B3088923C}"/>
+                <a16:creationId xmlns:a16="http://schemas.microsoft.com/office/drawing/2014/main" id="{D1201338-E9A3-0C7E-F2F0-7955939B3AD2}"/>
               </a:ext>
             </a:extLst>
           </p:cNvPr>
@@ -1862,7 +1862,7 @@
           <a:bodyPr/>
           <a:lstStyle/>
           <a:p>
-            <a:fld id="{54BB8FAE-30A8-4A53-93F5-CDDC6926C7E8}" type="slidenum">
+            <a:fld id="{B9EE1D44-0837-416D-AF66-51B1D5CD27CF}" type="slidenum">
               <a:rPr lang="zh-CN" altLang="en-US" smtClean="0"/>
               <a:t>‹#›</a:t>
             </a:fld>
@@ -1873,7 +1873,7 @@
     </p:spTree>
     <p:extLst>
       <p:ext uri="{BB962C8B-B14F-4D97-AF65-F5344CB8AC3E}">
-        <p14:creationId xmlns:p14="http://schemas.microsoft.com/office/powerpoint/2010/main" val="308231206"/>
+        <p14:creationId xmlns:p14="http://schemas.microsoft.com/office/powerpoint/2010/main" val="862771565"/>
       </p:ext>
     </p:extLst>
   </p:cSld>
@@ -1905,7 +1905,7 @@
           <p:cNvPr id="2" name="标题 1">
             <a:extLst>
               <a:ext uri="{FF2B5EF4-FFF2-40B4-BE49-F238E27FC236}">
-                <a16:creationId xmlns:a16="http://schemas.microsoft.com/office/drawing/2014/main" id="{CCCF4018-FDD5-ECF7-5503-244846FCBE96}"/>
+                <a16:creationId xmlns:a16="http://schemas.microsoft.com/office/drawing/2014/main" id="{52143B75-02FD-F70F-5DAE-5DF9EE0EC366}"/>
               </a:ext>
             </a:extLst>
           </p:cNvPr>
@@ -1933,7 +1933,7 @@
           <p:cNvPr id="3" name="日期占位符 2">
             <a:extLst>
               <a:ext uri="{FF2B5EF4-FFF2-40B4-BE49-F238E27FC236}">
-                <a16:creationId xmlns:a16="http://schemas.microsoft.com/office/drawing/2014/main" id="{380031DB-4BBD-68E3-0EBD-7280C5A2D7A3}"/>
+                <a16:creationId xmlns:a16="http://schemas.microsoft.com/office/drawing/2014/main" id="{BA6764C5-D841-E66E-9B11-80FC79BB31B8}"/>
               </a:ext>
             </a:extLst>
           </p:cNvPr>
@@ -1949,7 +1949,7 @@
           <a:bodyPr/>
           <a:lstStyle/>
           <a:p>
-            <a:fld id="{EFFA998B-9C5A-407D-8BE3-93BBE29066FF}" type="datetimeFigureOut">
+            <a:fld id="{A0A00205-55DD-4430-929C-A22D86EB0689}" type="datetimeFigureOut">
               <a:rPr lang="zh-CN" altLang="en-US" smtClean="0"/>
               <a:t>2024/3/10</a:t>
             </a:fld>
@@ -1962,7 +1962,7 @@
           <p:cNvPr id="4" name="页脚占位符 3">
             <a:extLst>
               <a:ext uri="{FF2B5EF4-FFF2-40B4-BE49-F238E27FC236}">
-                <a16:creationId xmlns:a16="http://schemas.microsoft.com/office/drawing/2014/main" id="{BB240ED3-1DE5-30E0-A5B9-F015A6CDBFAE}"/>
+                <a16:creationId xmlns:a16="http://schemas.microsoft.com/office/drawing/2014/main" id="{E8477AD7-F7A4-E7D1-B125-4E9072455B5D}"/>
               </a:ext>
             </a:extLst>
           </p:cNvPr>
@@ -1987,7 +1987,7 @@
           <p:cNvPr id="5" name="灯片编号占位符 4">
             <a:extLst>
               <a:ext uri="{FF2B5EF4-FFF2-40B4-BE49-F238E27FC236}">
-                <a16:creationId xmlns:a16="http://schemas.microsoft.com/office/drawing/2014/main" id="{99827358-A913-96FC-0695-328856925C4B}"/>
+                <a16:creationId xmlns:a16="http://schemas.microsoft.com/office/drawing/2014/main" id="{1477D656-F3F0-AEF1-03CE-7847247A9712}"/>
               </a:ext>
             </a:extLst>
           </p:cNvPr>
@@ -2003,7 +2003,7 @@
           <a:bodyPr/>
           <a:lstStyle/>
           <a:p>
-            <a:fld id="{54BB8FAE-30A8-4A53-93F5-CDDC6926C7E8}" type="slidenum">
+            <a:fld id="{B9EE1D44-0837-416D-AF66-51B1D5CD27CF}" type="slidenum">
               <a:rPr lang="zh-CN" altLang="en-US" smtClean="0"/>
               <a:t>‹#›</a:t>
             </a:fld>
@@ -2014,7 +2014,7 @@
     </p:spTree>
     <p:extLst>
       <p:ext uri="{BB962C8B-B14F-4D97-AF65-F5344CB8AC3E}">
-        <p14:creationId xmlns:p14="http://schemas.microsoft.com/office/powerpoint/2010/main" val="4112674643"/>
+        <p14:creationId xmlns:p14="http://schemas.microsoft.com/office/powerpoint/2010/main" val="3859717263"/>
       </p:ext>
     </p:extLst>
   </p:cSld>
@@ -2046,7 +2046,7 @@
           <p:cNvPr id="2" name="日期占位符 1">
             <a:extLst>
               <a:ext uri="{FF2B5EF4-FFF2-40B4-BE49-F238E27FC236}">
-                <a16:creationId xmlns:a16="http://schemas.microsoft.com/office/drawing/2014/main" id="{E49AB7C9-AC02-178F-8876-5CC562E506A2}"/>
+                <a16:creationId xmlns:a16="http://schemas.microsoft.com/office/drawing/2014/main" id="{6D226E24-7483-4133-15FB-2DCE7FEE5421}"/>
               </a:ext>
             </a:extLst>
           </p:cNvPr>
@@ -2062,7 +2062,7 @@
           <a:bodyPr/>
           <a:lstStyle/>
           <a:p>
-            <a:fld id="{EFFA998B-9C5A-407D-8BE3-93BBE29066FF}" type="datetimeFigureOut">
+            <a:fld id="{A0A00205-55DD-4430-929C-A22D86EB0689}" type="datetimeFigureOut">
               <a:rPr lang="zh-CN" altLang="en-US" smtClean="0"/>
               <a:t>2024/3/10</a:t>
             </a:fld>
@@ -2075,7 +2075,7 @@
           <p:cNvPr id="3" name="页脚占位符 2">
             <a:extLst>
               <a:ext uri="{FF2B5EF4-FFF2-40B4-BE49-F238E27FC236}">
-                <a16:creationId xmlns:a16="http://schemas.microsoft.com/office/drawing/2014/main" id="{09A41282-2F16-4D8C-D453-D09EAE4007AA}"/>
+                <a16:creationId xmlns:a16="http://schemas.microsoft.com/office/drawing/2014/main" id="{A3594102-324F-F72A-22C8-37600FD54D58}"/>
               </a:ext>
             </a:extLst>
           </p:cNvPr>
@@ -2100,7 +2100,7 @@
           <p:cNvPr id="4" name="灯片编号占位符 3">
             <a:extLst>
               <a:ext uri="{FF2B5EF4-FFF2-40B4-BE49-F238E27FC236}">
-                <a16:creationId xmlns:a16="http://schemas.microsoft.com/office/drawing/2014/main" id="{19A60174-29C3-3CBC-662F-A3830B30ECE8}"/>
+                <a16:creationId xmlns:a16="http://schemas.microsoft.com/office/drawing/2014/main" id="{30F3CA1B-55A8-0F49-2FAD-9E6C0E69086F}"/>
               </a:ext>
             </a:extLst>
           </p:cNvPr>
@@ -2116,7 +2116,7 @@
           <a:bodyPr/>
           <a:lstStyle/>
           <a:p>
-            <a:fld id="{54BB8FAE-30A8-4A53-93F5-CDDC6926C7E8}" type="slidenum">
+            <a:fld id="{B9EE1D44-0837-416D-AF66-51B1D5CD27CF}" type="slidenum">
               <a:rPr lang="zh-CN" altLang="en-US" smtClean="0"/>
               <a:t>‹#›</a:t>
             </a:fld>
@@ -2127,7 +2127,7 @@
     </p:spTree>
     <p:extLst>
       <p:ext uri="{BB962C8B-B14F-4D97-AF65-F5344CB8AC3E}">
-        <p14:creationId xmlns:p14="http://schemas.microsoft.com/office/powerpoint/2010/main" val="903865162"/>
+        <p14:creationId xmlns:p14="http://schemas.microsoft.com/office/powerpoint/2010/main" val="3767570050"/>
       </p:ext>
     </p:extLst>
   </p:cSld>
@@ -2159,7 +2159,7 @@
           <p:cNvPr id="2" name="标题 1">
             <a:extLst>
               <a:ext uri="{FF2B5EF4-FFF2-40B4-BE49-F238E27FC236}">
-                <a16:creationId xmlns:a16="http://schemas.microsoft.com/office/drawing/2014/main" id="{0D2CA66A-DCE7-A0EB-BCEA-D6EAFDCBEDBB}"/>
+                <a16:creationId xmlns:a16="http://schemas.microsoft.com/office/drawing/2014/main" id="{6775C56A-C37C-20ED-E640-0F389602F8E1}"/>
               </a:ext>
             </a:extLst>
           </p:cNvPr>
@@ -2196,7 +2196,7 @@
           <p:cNvPr id="3" name="内容占位符 2">
             <a:extLst>
               <a:ext uri="{FF2B5EF4-FFF2-40B4-BE49-F238E27FC236}">
-                <a16:creationId xmlns:a16="http://schemas.microsoft.com/office/drawing/2014/main" id="{6E78B3C7-F208-3793-E57C-FA2C4C1B84E2}"/>
+                <a16:creationId xmlns:a16="http://schemas.microsoft.com/office/drawing/2014/main" id="{DA455FE6-C913-CC4A-1698-0849C7D761BE}"/>
               </a:ext>
             </a:extLst>
           </p:cNvPr>
@@ -2286,7 +2286,7 @@
           <p:cNvPr id="4" name="文本占位符 3">
             <a:extLst>
               <a:ext uri="{FF2B5EF4-FFF2-40B4-BE49-F238E27FC236}">
-                <a16:creationId xmlns:a16="http://schemas.microsoft.com/office/drawing/2014/main" id="{E46B1616-FCB9-1147-3FC5-F97EB478998D}"/>
+                <a16:creationId xmlns:a16="http://schemas.microsoft.com/office/drawing/2014/main" id="{A6B80D44-2331-AF91-120A-DB3D3BB59692}"/>
               </a:ext>
             </a:extLst>
           </p:cNvPr>
@@ -2357,7 +2357,7 @@
           <p:cNvPr id="5" name="日期占位符 4">
             <a:extLst>
               <a:ext uri="{FF2B5EF4-FFF2-40B4-BE49-F238E27FC236}">
-                <a16:creationId xmlns:a16="http://schemas.microsoft.com/office/drawing/2014/main" id="{74048765-E7C9-D5E2-C55D-12D9D1DEAE4B}"/>
+                <a16:creationId xmlns:a16="http://schemas.microsoft.com/office/drawing/2014/main" id="{5A4DDDD1-C34D-51C8-BD57-14B11B5AE18F}"/>
               </a:ext>
             </a:extLst>
           </p:cNvPr>
@@ -2373,7 +2373,7 @@
           <a:bodyPr/>
           <a:lstStyle/>
           <a:p>
-            <a:fld id="{EFFA998B-9C5A-407D-8BE3-93BBE29066FF}" type="datetimeFigureOut">
+            <a:fld id="{A0A00205-55DD-4430-929C-A22D86EB0689}" type="datetimeFigureOut">
               <a:rPr lang="zh-CN" altLang="en-US" smtClean="0"/>
               <a:t>2024/3/10</a:t>
             </a:fld>
@@ -2386,7 +2386,7 @@
           <p:cNvPr id="6" name="页脚占位符 5">
             <a:extLst>
               <a:ext uri="{FF2B5EF4-FFF2-40B4-BE49-F238E27FC236}">
-                <a16:creationId xmlns:a16="http://schemas.microsoft.com/office/drawing/2014/main" id="{4469925A-5811-986B-2F99-8D14A86141A8}"/>
+                <a16:creationId xmlns:a16="http://schemas.microsoft.com/office/drawing/2014/main" id="{D3903F40-A6BD-E907-B4AC-CFD960C0F979}"/>
               </a:ext>
             </a:extLst>
           </p:cNvPr>
@@ -2411,7 +2411,7 @@
           <p:cNvPr id="7" name="灯片编号占位符 6">
             <a:extLst>
               <a:ext uri="{FF2B5EF4-FFF2-40B4-BE49-F238E27FC236}">
-                <a16:creationId xmlns:a16="http://schemas.microsoft.com/office/drawing/2014/main" id="{EFF066C8-61DD-C890-2BFE-8E8BDE06DD8E}"/>
+                <a16:creationId xmlns:a16="http://schemas.microsoft.com/office/drawing/2014/main" id="{261947AA-1011-39BE-A319-F5DB0B3DB2B0}"/>
               </a:ext>
             </a:extLst>
           </p:cNvPr>
@@ -2427,7 +2427,7 @@
           <a:bodyPr/>
           <a:lstStyle/>
           <a:p>
-            <a:fld id="{54BB8FAE-30A8-4A53-93F5-CDDC6926C7E8}" type="slidenum">
+            <a:fld id="{B9EE1D44-0837-416D-AF66-51B1D5CD27CF}" type="slidenum">
               <a:rPr lang="zh-CN" altLang="en-US" smtClean="0"/>
               <a:t>‹#›</a:t>
             </a:fld>
@@ -2438,7 +2438,7 @@
     </p:spTree>
     <p:extLst>
       <p:ext uri="{BB962C8B-B14F-4D97-AF65-F5344CB8AC3E}">
-        <p14:creationId xmlns:p14="http://schemas.microsoft.com/office/powerpoint/2010/main" val="899247997"/>
+        <p14:creationId xmlns:p14="http://schemas.microsoft.com/office/powerpoint/2010/main" val="1129613112"/>
       </p:ext>
     </p:extLst>
   </p:cSld>
@@ -2470,7 +2470,7 @@
           <p:cNvPr id="2" name="标题 1">
             <a:extLst>
               <a:ext uri="{FF2B5EF4-FFF2-40B4-BE49-F238E27FC236}">
-                <a16:creationId xmlns:a16="http://schemas.microsoft.com/office/drawing/2014/main" id="{4079C424-E928-AC17-3CCF-81DC251437C1}"/>
+                <a16:creationId xmlns:a16="http://schemas.microsoft.com/office/drawing/2014/main" id="{AA1A5F9F-558E-0E7E-1732-B329ACF93BD3}"/>
               </a:ext>
             </a:extLst>
           </p:cNvPr>
@@ -2507,7 +2507,7 @@
           <p:cNvPr id="3" name="图片占位符 2">
             <a:extLst>
               <a:ext uri="{FF2B5EF4-FFF2-40B4-BE49-F238E27FC236}">
-                <a16:creationId xmlns:a16="http://schemas.microsoft.com/office/drawing/2014/main" id="{15205928-25DA-4093-3D05-591AD3BD552F}"/>
+                <a16:creationId xmlns:a16="http://schemas.microsoft.com/office/drawing/2014/main" id="{254CC64F-8D4A-21F1-8FD2-2BCEF8C0CEE8}"/>
               </a:ext>
             </a:extLst>
           </p:cNvPr>
@@ -2574,7 +2574,7 @@
           <p:cNvPr id="4" name="文本占位符 3">
             <a:extLst>
               <a:ext uri="{FF2B5EF4-FFF2-40B4-BE49-F238E27FC236}">
-                <a16:creationId xmlns:a16="http://schemas.microsoft.com/office/drawing/2014/main" id="{39C38A2B-D128-1ABA-9D08-2CF65C7D8741}"/>
+                <a16:creationId xmlns:a16="http://schemas.microsoft.com/office/drawing/2014/main" id="{297AB9E6-B2F1-993D-D3DE-4CEE5FF627EA}"/>
               </a:ext>
             </a:extLst>
           </p:cNvPr>
@@ -2645,7 +2645,7 @@
           <p:cNvPr id="5" name="日期占位符 4">
             <a:extLst>
               <a:ext uri="{FF2B5EF4-FFF2-40B4-BE49-F238E27FC236}">
-                <a16:creationId xmlns:a16="http://schemas.microsoft.com/office/drawing/2014/main" id="{E7F58705-640E-FEA9-1E45-FC4CB4E3A599}"/>
+                <a16:creationId xmlns:a16="http://schemas.microsoft.com/office/drawing/2014/main" id="{2A486F0A-31D5-BA64-9DC0-5656BBD01AEA}"/>
               </a:ext>
             </a:extLst>
           </p:cNvPr>
@@ -2661,7 +2661,7 @@
           <a:bodyPr/>
           <a:lstStyle/>
           <a:p>
-            <a:fld id="{EFFA998B-9C5A-407D-8BE3-93BBE29066FF}" type="datetimeFigureOut">
+            <a:fld id="{A0A00205-55DD-4430-929C-A22D86EB0689}" type="datetimeFigureOut">
               <a:rPr lang="zh-CN" altLang="en-US" smtClean="0"/>
               <a:t>2024/3/10</a:t>
             </a:fld>
@@ -2674,7 +2674,7 @@
           <p:cNvPr id="6" name="页脚占位符 5">
             <a:extLst>
               <a:ext uri="{FF2B5EF4-FFF2-40B4-BE49-F238E27FC236}">
-                <a16:creationId xmlns:a16="http://schemas.microsoft.com/office/drawing/2014/main" id="{582BECF6-CD89-8B9A-A1A3-76EB35290291}"/>
+                <a16:creationId xmlns:a16="http://schemas.microsoft.com/office/drawing/2014/main" id="{4D50E122-F059-3CC5-E5D4-2AC1926F72D7}"/>
               </a:ext>
             </a:extLst>
           </p:cNvPr>
@@ -2699,7 +2699,7 @@
           <p:cNvPr id="7" name="灯片编号占位符 6">
             <a:extLst>
               <a:ext uri="{FF2B5EF4-FFF2-40B4-BE49-F238E27FC236}">
-                <a16:creationId xmlns:a16="http://schemas.microsoft.com/office/drawing/2014/main" id="{30659220-6C0E-520E-F6A7-54D8213A4C25}"/>
+                <a16:creationId xmlns:a16="http://schemas.microsoft.com/office/drawing/2014/main" id="{22735A80-C63D-CE4B-FDC1-A2AC9B49B8AA}"/>
               </a:ext>
             </a:extLst>
           </p:cNvPr>
@@ -2715,7 +2715,7 @@
           <a:bodyPr/>
           <a:lstStyle/>
           <a:p>
-            <a:fld id="{54BB8FAE-30A8-4A53-93F5-CDDC6926C7E8}" type="slidenum">
+            <a:fld id="{B9EE1D44-0837-416D-AF66-51B1D5CD27CF}" type="slidenum">
               <a:rPr lang="zh-CN" altLang="en-US" smtClean="0"/>
               <a:t>‹#›</a:t>
             </a:fld>
@@ -2726,7 +2726,7 @@
     </p:spTree>
     <p:extLst>
       <p:ext uri="{BB962C8B-B14F-4D97-AF65-F5344CB8AC3E}">
-        <p14:creationId xmlns:p14="http://schemas.microsoft.com/office/powerpoint/2010/main" val="3831240282"/>
+        <p14:creationId xmlns:p14="http://schemas.microsoft.com/office/powerpoint/2010/main" val="2709927832"/>
       </p:ext>
     </p:extLst>
   </p:cSld>
@@ -2763,7 +2763,7 @@
           <p:cNvPr id="2" name="标题占位符 1">
             <a:extLst>
               <a:ext uri="{FF2B5EF4-FFF2-40B4-BE49-F238E27FC236}">
-                <a16:creationId xmlns:a16="http://schemas.microsoft.com/office/drawing/2014/main" id="{96F8545C-C40D-C047-6D85-A5F4B572EFBB}"/>
+                <a16:creationId xmlns:a16="http://schemas.microsoft.com/office/drawing/2014/main" id="{B75D47BD-AA01-1ACC-B2CB-418B67A01DD1}"/>
               </a:ext>
             </a:extLst>
           </p:cNvPr>
@@ -2801,7 +2801,7 @@
           <p:cNvPr id="3" name="文本占位符 2">
             <a:extLst>
               <a:ext uri="{FF2B5EF4-FFF2-40B4-BE49-F238E27FC236}">
-                <a16:creationId xmlns:a16="http://schemas.microsoft.com/office/drawing/2014/main" id="{4AB2706C-4819-7FF1-D177-80AEAB38594D}"/>
+                <a16:creationId xmlns:a16="http://schemas.microsoft.com/office/drawing/2014/main" id="{EB2B89BE-AB3C-73C5-9543-DD171EFE398A}"/>
               </a:ext>
             </a:extLst>
           </p:cNvPr>
@@ -2868,7 +2868,7 @@
           <p:cNvPr id="4" name="日期占位符 3">
             <a:extLst>
               <a:ext uri="{FF2B5EF4-FFF2-40B4-BE49-F238E27FC236}">
-                <a16:creationId xmlns:a16="http://schemas.microsoft.com/office/drawing/2014/main" id="{7BD35205-C08C-D367-DFD2-1C4E990E16DE}"/>
+                <a16:creationId xmlns:a16="http://schemas.microsoft.com/office/drawing/2014/main" id="{9C83049B-AAA8-2209-D101-E8F77D1C600B}"/>
               </a:ext>
             </a:extLst>
           </p:cNvPr>
@@ -2902,7 +2902,7 @@
             </a:lvl1pPr>
           </a:lstStyle>
           <a:p>
-            <a:fld id="{EFFA998B-9C5A-407D-8BE3-93BBE29066FF}" type="datetimeFigureOut">
+            <a:fld id="{A0A00205-55DD-4430-929C-A22D86EB0689}" type="datetimeFigureOut">
               <a:rPr lang="zh-CN" altLang="en-US" smtClean="0"/>
               <a:t>2024/3/10</a:t>
             </a:fld>
@@ -2915,7 +2915,7 @@
           <p:cNvPr id="5" name="页脚占位符 4">
             <a:extLst>
               <a:ext uri="{FF2B5EF4-FFF2-40B4-BE49-F238E27FC236}">
-                <a16:creationId xmlns:a16="http://schemas.microsoft.com/office/drawing/2014/main" id="{0A094E7E-8B84-2DFC-DEFA-B89B79F779B9}"/>
+                <a16:creationId xmlns:a16="http://schemas.microsoft.com/office/drawing/2014/main" id="{E8BC90FD-E41E-977B-8CDD-F2C440D9D3A1}"/>
               </a:ext>
             </a:extLst>
           </p:cNvPr>
@@ -2958,7 +2958,7 @@
           <p:cNvPr id="6" name="灯片编号占位符 5">
             <a:extLst>
               <a:ext uri="{FF2B5EF4-FFF2-40B4-BE49-F238E27FC236}">
-                <a16:creationId xmlns:a16="http://schemas.microsoft.com/office/drawing/2014/main" id="{87023E04-4D03-FB83-6EFC-1B264B409A59}"/>
+                <a16:creationId xmlns:a16="http://schemas.microsoft.com/office/drawing/2014/main" id="{62057AFB-5688-1BA0-01F7-AE22A793D5CB}"/>
               </a:ext>
             </a:extLst>
           </p:cNvPr>
@@ -2992,7 +2992,7 @@
             </a:lvl1pPr>
           </a:lstStyle>
           <a:p>
-            <a:fld id="{54BB8FAE-30A8-4A53-93F5-CDDC6926C7E8}" type="slidenum">
+            <a:fld id="{B9EE1D44-0837-416D-AF66-51B1D5CD27CF}" type="slidenum">
               <a:rPr lang="zh-CN" altLang="en-US" smtClean="0"/>
               <a:t>‹#›</a:t>
             </a:fld>
@@ -3003,7 +3003,7 @@
     </p:spTree>
     <p:extLst>
       <p:ext uri="{BB962C8B-B14F-4D97-AF65-F5344CB8AC3E}">
-        <p14:creationId xmlns:p14="http://schemas.microsoft.com/office/powerpoint/2010/main" val="4034901042"/>
+        <p14:creationId xmlns:p14="http://schemas.microsoft.com/office/powerpoint/2010/main" val="4082808815"/>
       </p:ext>
     </p:extLst>
   </p:cSld>
@@ -3323,7 +3323,7 @@
       </p:grpSpPr>
       <p:pic>
         <p:nvPicPr>
-          <p:cNvPr id="154626" name="Picture 2" descr="150"/>
+          <p:cNvPr id="155650" name="Picture 2" descr="151"/>
           <p:cNvPicPr>
             <a:picLocks noChangeAspect="1" noChangeArrowheads="1"/>
           </p:cNvPicPr>
@@ -3375,626 +3375,11 @@
           </a:extLst>
         </p:spPr>
       </p:pic>
-      <p:pic>
-        <p:nvPicPr>
-          <p:cNvPr id="155651" name="Picture 3" descr="150-2"/>
-          <p:cNvPicPr>
-            <a:picLocks noChangeAspect="1" noChangeArrowheads="1"/>
-          </p:cNvPicPr>
-          <p:nvPr/>
-        </p:nvPicPr>
-        <p:blipFill>
-          <a:blip r:embed="rId3">
-            <a:extLst>
-              <a:ext uri="{28A0092B-C50C-407E-A947-70E740481C1C}">
-                <a14:useLocalDpi xmlns:a14="http://schemas.microsoft.com/office/drawing/2010/main" val="0"/>
-              </a:ext>
-            </a:extLst>
-          </a:blip>
-          <a:srcRect/>
-          <a:stretch>
-            <a:fillRect/>
-          </a:stretch>
-        </p:blipFill>
-        <p:spPr bwMode="auto">
-          <a:xfrm>
-            <a:off x="1524000" y="0"/>
-            <a:ext cx="9144000" cy="6858000"/>
-          </a:xfrm>
-          <a:prstGeom prst="rect">
-            <a:avLst/>
-          </a:prstGeom>
-          <a:noFill/>
-          <a:ln>
-            <a:noFill/>
-          </a:ln>
-          <a:effectLst/>
-          <a:extLst>
-            <a:ext uri="{909E8E84-426E-40DD-AFC4-6F175D3DCCD1}">
-              <a14:hiddenFill xmlns:a14="http://schemas.microsoft.com/office/drawing/2010/main">
-                <a:solidFill>
-                  <a:srgbClr val="FFFFFF"/>
-                </a:solidFill>
-              </a14:hiddenFill>
-            </a:ext>
-            <a:ext uri="{91240B29-F687-4F45-9708-019B960494DF}">
-              <a14:hiddenLine xmlns:a14="http://schemas.microsoft.com/office/drawing/2010/main" w="9525">
-                <a:solidFill>
-                  <a:srgbClr val="000000"/>
-                </a:solidFill>
-                <a:miter lim="800000"/>
-                <a:headEnd/>
-                <a:tailEnd/>
-              </a14:hiddenLine>
-            </a:ext>
-            <a:ext uri="{AF507438-7753-43E0-B8FC-AC1667EBCBE1}">
-              <a14:hiddenEffects xmlns:a14="http://schemas.microsoft.com/office/drawing/2010/main">
-                <a:effectLst>
-                  <a:outerShdw dist="35921" dir="2700000" algn="ctr" rotWithShape="0">
-                    <a:srgbClr val="808080"/>
-                  </a:outerShdw>
-                </a:effectLst>
-              </a14:hiddenEffects>
-            </a:ext>
-          </a:extLst>
-        </p:spPr>
-      </p:pic>
-      <p:pic>
-        <p:nvPicPr>
-          <p:cNvPr id="155652" name="Picture 4" descr="150-3"/>
-          <p:cNvPicPr>
-            <a:picLocks noChangeAspect="1" noChangeArrowheads="1"/>
-          </p:cNvPicPr>
-          <p:nvPr/>
-        </p:nvPicPr>
-        <p:blipFill>
-          <a:blip r:embed="rId4">
-            <a:extLst>
-              <a:ext uri="{28A0092B-C50C-407E-A947-70E740481C1C}">
-                <a14:useLocalDpi xmlns:a14="http://schemas.microsoft.com/office/drawing/2010/main" val="0"/>
-              </a:ext>
-            </a:extLst>
-          </a:blip>
-          <a:srcRect/>
-          <a:stretch>
-            <a:fillRect/>
-          </a:stretch>
-        </p:blipFill>
-        <p:spPr bwMode="auto">
-          <a:xfrm>
-            <a:off x="1524000" y="0"/>
-            <a:ext cx="9144000" cy="6858000"/>
-          </a:xfrm>
-          <a:prstGeom prst="rect">
-            <a:avLst/>
-          </a:prstGeom>
-          <a:noFill/>
-          <a:ln>
-            <a:noFill/>
-          </a:ln>
-          <a:effectLst/>
-          <a:extLst>
-            <a:ext uri="{909E8E84-426E-40DD-AFC4-6F175D3DCCD1}">
-              <a14:hiddenFill xmlns:a14="http://schemas.microsoft.com/office/drawing/2010/main">
-                <a:solidFill>
-                  <a:srgbClr val="FFFFFF"/>
-                </a:solidFill>
-              </a14:hiddenFill>
-            </a:ext>
-            <a:ext uri="{91240B29-F687-4F45-9708-019B960494DF}">
-              <a14:hiddenLine xmlns:a14="http://schemas.microsoft.com/office/drawing/2010/main" w="9525">
-                <a:solidFill>
-                  <a:srgbClr val="000000"/>
-                </a:solidFill>
-                <a:miter lim="800000"/>
-                <a:headEnd/>
-                <a:tailEnd/>
-              </a14:hiddenLine>
-            </a:ext>
-            <a:ext uri="{AF507438-7753-43E0-B8FC-AC1667EBCBE1}">
-              <a14:hiddenEffects xmlns:a14="http://schemas.microsoft.com/office/drawing/2010/main">
-                <a:effectLst>
-                  <a:outerShdw dist="35921" dir="2700000" algn="ctr" rotWithShape="0">
-                    <a:srgbClr val="808080"/>
-                  </a:outerShdw>
-                </a:effectLst>
-              </a14:hiddenEffects>
-            </a:ext>
-          </a:extLst>
-        </p:spPr>
-      </p:pic>
-      <p:pic>
-        <p:nvPicPr>
-          <p:cNvPr id="155653" name="Picture 5" descr="150-4"/>
-          <p:cNvPicPr>
-            <a:picLocks noChangeAspect="1" noChangeArrowheads="1"/>
-          </p:cNvPicPr>
-          <p:nvPr/>
-        </p:nvPicPr>
-        <p:blipFill>
-          <a:blip r:embed="rId5">
-            <a:extLst>
-              <a:ext uri="{28A0092B-C50C-407E-A947-70E740481C1C}">
-                <a14:useLocalDpi xmlns:a14="http://schemas.microsoft.com/office/drawing/2010/main" val="0"/>
-              </a:ext>
-            </a:extLst>
-          </a:blip>
-          <a:srcRect/>
-          <a:stretch>
-            <a:fillRect/>
-          </a:stretch>
-        </p:blipFill>
-        <p:spPr bwMode="auto">
-          <a:xfrm>
-            <a:off x="1524000" y="0"/>
-            <a:ext cx="9144000" cy="6858000"/>
-          </a:xfrm>
-          <a:prstGeom prst="rect">
-            <a:avLst/>
-          </a:prstGeom>
-          <a:noFill/>
-          <a:ln>
-            <a:noFill/>
-          </a:ln>
-          <a:effectLst/>
-          <a:extLst>
-            <a:ext uri="{909E8E84-426E-40DD-AFC4-6F175D3DCCD1}">
-              <a14:hiddenFill xmlns:a14="http://schemas.microsoft.com/office/drawing/2010/main">
-                <a:solidFill>
-                  <a:srgbClr val="FFFFFF"/>
-                </a:solidFill>
-              </a14:hiddenFill>
-            </a:ext>
-            <a:ext uri="{91240B29-F687-4F45-9708-019B960494DF}">
-              <a14:hiddenLine xmlns:a14="http://schemas.microsoft.com/office/drawing/2010/main" w="9525">
-                <a:solidFill>
-                  <a:srgbClr val="000000"/>
-                </a:solidFill>
-                <a:miter lim="800000"/>
-                <a:headEnd/>
-                <a:tailEnd/>
-              </a14:hiddenLine>
-            </a:ext>
-            <a:ext uri="{AF507438-7753-43E0-B8FC-AC1667EBCBE1}">
-              <a14:hiddenEffects xmlns:a14="http://schemas.microsoft.com/office/drawing/2010/main">
-                <a:effectLst>
-                  <a:outerShdw dist="35921" dir="2700000" algn="ctr" rotWithShape="0">
-                    <a:srgbClr val="808080"/>
-                  </a:outerShdw>
-                </a:effectLst>
-              </a14:hiddenEffects>
-            </a:ext>
-          </a:extLst>
-        </p:spPr>
-      </p:pic>
-      <p:pic>
-        <p:nvPicPr>
-          <p:cNvPr id="155654" name="Picture 6" descr="150-5"/>
-          <p:cNvPicPr>
-            <a:picLocks noChangeAspect="1" noChangeArrowheads="1"/>
-          </p:cNvPicPr>
-          <p:nvPr/>
-        </p:nvPicPr>
-        <p:blipFill>
-          <a:blip r:embed="rId6">
-            <a:extLst>
-              <a:ext uri="{28A0092B-C50C-407E-A947-70E740481C1C}">
-                <a14:useLocalDpi xmlns:a14="http://schemas.microsoft.com/office/drawing/2010/main" val="0"/>
-              </a:ext>
-            </a:extLst>
-          </a:blip>
-          <a:srcRect/>
-          <a:stretch>
-            <a:fillRect/>
-          </a:stretch>
-        </p:blipFill>
-        <p:spPr bwMode="auto">
-          <a:xfrm>
-            <a:off x="1524000" y="0"/>
-            <a:ext cx="9144000" cy="6858000"/>
-          </a:xfrm>
-          <a:prstGeom prst="rect">
-            <a:avLst/>
-          </a:prstGeom>
-          <a:noFill/>
-          <a:ln>
-            <a:noFill/>
-          </a:ln>
-          <a:effectLst/>
-          <a:extLst>
-            <a:ext uri="{909E8E84-426E-40DD-AFC4-6F175D3DCCD1}">
-              <a14:hiddenFill xmlns:a14="http://schemas.microsoft.com/office/drawing/2010/main">
-                <a:solidFill>
-                  <a:srgbClr val="FFFFFF"/>
-                </a:solidFill>
-              </a14:hiddenFill>
-            </a:ext>
-            <a:ext uri="{91240B29-F687-4F45-9708-019B960494DF}">
-              <a14:hiddenLine xmlns:a14="http://schemas.microsoft.com/office/drawing/2010/main" w="9525">
-                <a:solidFill>
-                  <a:srgbClr val="000000"/>
-                </a:solidFill>
-                <a:miter lim="800000"/>
-                <a:headEnd/>
-                <a:tailEnd/>
-              </a14:hiddenLine>
-            </a:ext>
-            <a:ext uri="{AF507438-7753-43E0-B8FC-AC1667EBCBE1}">
-              <a14:hiddenEffects xmlns:a14="http://schemas.microsoft.com/office/drawing/2010/main">
-                <a:effectLst>
-                  <a:outerShdw dist="35921" dir="2700000" algn="ctr" rotWithShape="0">
-                    <a:srgbClr val="808080"/>
-                  </a:outerShdw>
-                </a:effectLst>
-              </a14:hiddenEffects>
-            </a:ext>
-          </a:extLst>
-        </p:spPr>
-      </p:pic>
-      <p:pic>
-        <p:nvPicPr>
-          <p:cNvPr id="155655" name="Picture 7" descr="150-6"/>
-          <p:cNvPicPr>
-            <a:picLocks noChangeAspect="1" noChangeArrowheads="1"/>
-          </p:cNvPicPr>
-          <p:nvPr/>
-        </p:nvPicPr>
-        <p:blipFill>
-          <a:blip r:embed="rId7">
-            <a:extLst>
-              <a:ext uri="{28A0092B-C50C-407E-A947-70E740481C1C}">
-                <a14:useLocalDpi xmlns:a14="http://schemas.microsoft.com/office/drawing/2010/main" val="0"/>
-              </a:ext>
-            </a:extLst>
-          </a:blip>
-          <a:srcRect/>
-          <a:stretch>
-            <a:fillRect/>
-          </a:stretch>
-        </p:blipFill>
-        <p:spPr bwMode="auto">
-          <a:xfrm>
-            <a:off x="1524000" y="-11113"/>
-            <a:ext cx="9144000" cy="6842126"/>
-          </a:xfrm>
-          <a:prstGeom prst="rect">
-            <a:avLst/>
-          </a:prstGeom>
-          <a:noFill/>
-          <a:ln>
-            <a:noFill/>
-          </a:ln>
-          <a:effectLst/>
-          <a:extLst>
-            <a:ext uri="{909E8E84-426E-40DD-AFC4-6F175D3DCCD1}">
-              <a14:hiddenFill xmlns:a14="http://schemas.microsoft.com/office/drawing/2010/main">
-                <a:solidFill>
-                  <a:srgbClr val="FFFFFF"/>
-                </a:solidFill>
-              </a14:hiddenFill>
-            </a:ext>
-            <a:ext uri="{91240B29-F687-4F45-9708-019B960494DF}">
-              <a14:hiddenLine xmlns:a14="http://schemas.microsoft.com/office/drawing/2010/main" w="9525">
-                <a:solidFill>
-                  <a:srgbClr val="000000"/>
-                </a:solidFill>
-                <a:miter lim="800000"/>
-                <a:headEnd/>
-                <a:tailEnd/>
-              </a14:hiddenLine>
-            </a:ext>
-            <a:ext uri="{AF507438-7753-43E0-B8FC-AC1667EBCBE1}">
-              <a14:hiddenEffects xmlns:a14="http://schemas.microsoft.com/office/drawing/2010/main">
-                <a:effectLst>
-                  <a:outerShdw dist="35921" dir="2700000" algn="ctr" rotWithShape="0">
-                    <a:srgbClr val="808080"/>
-                  </a:outerShdw>
-                </a:effectLst>
-              </a14:hiddenEffects>
-            </a:ext>
-          </a:extLst>
-        </p:spPr>
-      </p:pic>
     </p:spTree>
   </p:cSld>
   <p:clrMapOvr>
     <a:masterClrMapping/>
   </p:clrMapOvr>
-  <p:timing>
-    <p:tnLst>
-      <p:par>
-        <p:cTn id="1" dur="indefinite" restart="never" nodeType="tmRoot">
-          <p:childTnLst>
-            <p:seq concurrent="1" nextAc="seek">
-              <p:cTn id="2" dur="indefinite" nodeType="mainSeq">
-                <p:childTnLst>
-                  <p:par>
-                    <p:cTn id="3" fill="hold" nodeType="clickPar">
-                      <p:stCondLst>
-                        <p:cond delay="indefinite"/>
-                      </p:stCondLst>
-                      <p:childTnLst>
-                        <p:par>
-                          <p:cTn id="4" fill="hold" nodeType="withGroup">
-                            <p:stCondLst>
-                              <p:cond delay="0"/>
-                            </p:stCondLst>
-                            <p:childTnLst>
-                              <p:par>
-                                <p:cTn id="5" presetID="10" presetClass="entr" presetSubtype="0" fill="hold" nodeType="clickEffect">
-                                  <p:stCondLst>
-                                    <p:cond delay="0"/>
-                                  </p:stCondLst>
-                                  <p:childTnLst>
-                                    <p:set>
-                                      <p:cBhvr>
-                                        <p:cTn id="6" dur="1" fill="hold">
-                                          <p:stCondLst>
-                                            <p:cond delay="0"/>
-                                          </p:stCondLst>
-                                        </p:cTn>
-                                        <p:tgtEl>
-                                          <p:spTgt spid="155651"/>
-                                        </p:tgtEl>
-                                        <p:attrNameLst>
-                                          <p:attrName>style.visibility</p:attrName>
-                                        </p:attrNameLst>
-                                      </p:cBhvr>
-                                      <p:to>
-                                        <p:strVal val="visible"/>
-                                      </p:to>
-                                    </p:set>
-                                    <p:animEffect transition="in" filter="fade">
-                                      <p:cBhvr>
-                                        <p:cTn id="7" dur="500"/>
-                                        <p:tgtEl>
-                                          <p:spTgt spid="155651"/>
-                                        </p:tgtEl>
-                                      </p:cBhvr>
-                                    </p:animEffect>
-                                  </p:childTnLst>
-                                </p:cTn>
-                              </p:par>
-                            </p:childTnLst>
-                          </p:cTn>
-                        </p:par>
-                      </p:childTnLst>
-                    </p:cTn>
-                  </p:par>
-                  <p:par>
-                    <p:cTn id="8" fill="hold" nodeType="clickPar">
-                      <p:stCondLst>
-                        <p:cond delay="indefinite"/>
-                      </p:stCondLst>
-                      <p:childTnLst>
-                        <p:par>
-                          <p:cTn id="9" fill="hold" nodeType="withGroup">
-                            <p:stCondLst>
-                              <p:cond delay="0"/>
-                            </p:stCondLst>
-                            <p:childTnLst>
-                              <p:par>
-                                <p:cTn id="10" presetID="10" presetClass="entr" presetSubtype="0" fill="hold" nodeType="clickEffect">
-                                  <p:stCondLst>
-                                    <p:cond delay="0"/>
-                                  </p:stCondLst>
-                                  <p:childTnLst>
-                                    <p:set>
-                                      <p:cBhvr>
-                                        <p:cTn id="11" dur="1" fill="hold">
-                                          <p:stCondLst>
-                                            <p:cond delay="0"/>
-                                          </p:stCondLst>
-                                        </p:cTn>
-                                        <p:tgtEl>
-                                          <p:spTgt spid="155652"/>
-                                        </p:tgtEl>
-                                        <p:attrNameLst>
-                                          <p:attrName>style.visibility</p:attrName>
-                                        </p:attrNameLst>
-                                      </p:cBhvr>
-                                      <p:to>
-                                        <p:strVal val="visible"/>
-                                      </p:to>
-                                    </p:set>
-                                    <p:animEffect transition="in" filter="fade">
-                                      <p:cBhvr>
-                                        <p:cTn id="12" dur="500"/>
-                                        <p:tgtEl>
-                                          <p:spTgt spid="155652"/>
-                                        </p:tgtEl>
-                                      </p:cBhvr>
-                                    </p:animEffect>
-                                  </p:childTnLst>
-                                </p:cTn>
-                              </p:par>
-                            </p:childTnLst>
-                          </p:cTn>
-                        </p:par>
-                      </p:childTnLst>
-                    </p:cTn>
-                  </p:par>
-                  <p:par>
-                    <p:cTn id="13" fill="hold" nodeType="clickPar">
-                      <p:stCondLst>
-                        <p:cond delay="indefinite"/>
-                      </p:stCondLst>
-                      <p:childTnLst>
-                        <p:par>
-                          <p:cTn id="14" fill="hold" nodeType="withGroup">
-                            <p:stCondLst>
-                              <p:cond delay="0"/>
-                            </p:stCondLst>
-                            <p:childTnLst>
-                              <p:par>
-                                <p:cTn id="15" presetID="10" presetClass="entr" presetSubtype="0" fill="hold" nodeType="clickEffect">
-                                  <p:stCondLst>
-                                    <p:cond delay="0"/>
-                                  </p:stCondLst>
-                                  <p:childTnLst>
-                                    <p:set>
-                                      <p:cBhvr>
-                                        <p:cTn id="16" dur="1" fill="hold">
-                                          <p:stCondLst>
-                                            <p:cond delay="0"/>
-                                          </p:stCondLst>
-                                        </p:cTn>
-                                        <p:tgtEl>
-                                          <p:spTgt spid="155653"/>
-                                        </p:tgtEl>
-                                        <p:attrNameLst>
-                                          <p:attrName>style.visibility</p:attrName>
-                                        </p:attrNameLst>
-                                      </p:cBhvr>
-                                      <p:to>
-                                        <p:strVal val="visible"/>
-                                      </p:to>
-                                    </p:set>
-                                    <p:animEffect transition="in" filter="fade">
-                                      <p:cBhvr>
-                                        <p:cTn id="17" dur="500"/>
-                                        <p:tgtEl>
-                                          <p:spTgt spid="155653"/>
-                                        </p:tgtEl>
-                                      </p:cBhvr>
-                                    </p:animEffect>
-                                  </p:childTnLst>
-                                </p:cTn>
-                              </p:par>
-                            </p:childTnLst>
-                          </p:cTn>
-                        </p:par>
-                      </p:childTnLst>
-                    </p:cTn>
-                  </p:par>
-                  <p:par>
-                    <p:cTn id="18" fill="hold" nodeType="clickPar">
-                      <p:stCondLst>
-                        <p:cond delay="indefinite"/>
-                      </p:stCondLst>
-                      <p:childTnLst>
-                        <p:par>
-                          <p:cTn id="19" fill="hold" nodeType="withGroup">
-                            <p:stCondLst>
-                              <p:cond delay="0"/>
-                            </p:stCondLst>
-                            <p:childTnLst>
-                              <p:par>
-                                <p:cTn id="20" presetID="10" presetClass="entr" presetSubtype="0" fill="hold" nodeType="clickEffect">
-                                  <p:stCondLst>
-                                    <p:cond delay="0"/>
-                                  </p:stCondLst>
-                                  <p:childTnLst>
-                                    <p:set>
-                                      <p:cBhvr>
-                                        <p:cTn id="21" dur="1" fill="hold">
-                                          <p:stCondLst>
-                                            <p:cond delay="0"/>
-                                          </p:stCondLst>
-                                        </p:cTn>
-                                        <p:tgtEl>
-                                          <p:spTgt spid="155654"/>
-                                        </p:tgtEl>
-                                        <p:attrNameLst>
-                                          <p:attrName>style.visibility</p:attrName>
-                                        </p:attrNameLst>
-                                      </p:cBhvr>
-                                      <p:to>
-                                        <p:strVal val="visible"/>
-                                      </p:to>
-                                    </p:set>
-                                    <p:animEffect transition="in" filter="fade">
-                                      <p:cBhvr>
-                                        <p:cTn id="22" dur="500"/>
-                                        <p:tgtEl>
-                                          <p:spTgt spid="155654"/>
-                                        </p:tgtEl>
-                                      </p:cBhvr>
-                                    </p:animEffect>
-                                  </p:childTnLst>
-                                </p:cTn>
-                              </p:par>
-                            </p:childTnLst>
-                          </p:cTn>
-                        </p:par>
-                      </p:childTnLst>
-                    </p:cTn>
-                  </p:par>
-                  <p:par>
-                    <p:cTn id="23" fill="hold" nodeType="clickPar">
-                      <p:stCondLst>
-                        <p:cond delay="indefinite"/>
-                      </p:stCondLst>
-                      <p:childTnLst>
-                        <p:par>
-                          <p:cTn id="24" fill="hold" nodeType="withGroup">
-                            <p:stCondLst>
-                              <p:cond delay="0"/>
-                            </p:stCondLst>
-                            <p:childTnLst>
-                              <p:par>
-                                <p:cTn id="25" presetID="10" presetClass="entr" presetSubtype="0" fill="hold" nodeType="clickEffect">
-                                  <p:stCondLst>
-                                    <p:cond delay="0"/>
-                                  </p:stCondLst>
-                                  <p:childTnLst>
-                                    <p:set>
-                                      <p:cBhvr>
-                                        <p:cTn id="26" dur="1" fill="hold">
-                                          <p:stCondLst>
-                                            <p:cond delay="0"/>
-                                          </p:stCondLst>
-                                        </p:cTn>
-                                        <p:tgtEl>
-                                          <p:spTgt spid="155655"/>
-                                        </p:tgtEl>
-                                        <p:attrNameLst>
-                                          <p:attrName>style.visibility</p:attrName>
-                                        </p:attrNameLst>
-                                      </p:cBhvr>
-                                      <p:to>
-                                        <p:strVal val="visible"/>
-                                      </p:to>
-                                    </p:set>
-                                    <p:animEffect transition="in" filter="fade">
-                                      <p:cBhvr>
-                                        <p:cTn id="27" dur="500"/>
-                                        <p:tgtEl>
-                                          <p:spTgt spid="155655"/>
-                                        </p:tgtEl>
-                                      </p:cBhvr>
-                                    </p:animEffect>
-                                  </p:childTnLst>
-                                </p:cTn>
-                              </p:par>
-                            </p:childTnLst>
-                          </p:cTn>
-                        </p:par>
-                      </p:childTnLst>
-                    </p:cTn>
-                  </p:par>
-                </p:childTnLst>
-              </p:cTn>
-              <p:prevCondLst>
-                <p:cond evt="onPrev" delay="0">
-                  <p:tgtEl>
-                    <p:sldTgt/>
-                  </p:tgtEl>
-                </p:cond>
-              </p:prevCondLst>
-              <p:nextCondLst>
-                <p:cond evt="onNext" delay="0">
-                  <p:tgtEl>
-                    <p:sldTgt/>
-                  </p:tgtEl>
-                </p:cond>
-              </p:nextCondLst>
-            </p:seq>
-          </p:childTnLst>
-        </p:cTn>
-      </p:par>
-    </p:tnLst>
-  </p:timing>
 </p:sld>
 </file>
 
